--- a/the_perfect_race.pptx
+++ b/the_perfect_race.pptx
@@ -7464,7 +7464,9 @@
         </p:nvSpPr>
         <p:spPr/>
         <p:txBody>
-          <a:bodyPr/>
+          <a:bodyPr>
+            <a:normAutofit lnSpcReduction="10000"/>
+          </a:bodyPr>
           <a:lstStyle/>
           <a:p>
             <a:pPr marL="0" indent="0">
@@ -7482,7 +7484,7 @@
           <a:p>
             <a:r>
               <a:rPr lang="en-US" dirty="0"/>
-              <a:t>Vary age test group range ( e.g. 25-30 vs other)</a:t>
+              <a:t>Vary age test group range ( e.g. 25-30 vs control)</a:t>
             </a:r>
           </a:p>
           <a:p>
@@ -7492,6 +7494,12 @@
             </a:r>
           </a:p>
           <a:p>
+            <a:r>
+              <a:rPr lang="en-US" dirty="0"/>
+              <a:t>Analyze times by runner at different ages</a:t>
+            </a:r>
+          </a:p>
+          <a:p>
             <a:pPr marL="0" indent="0">
               <a:buNone/>
             </a:pPr>
@@ -7507,7 +7515,7 @@
           <a:p>
             <a:r>
               <a:rPr lang="en-US" dirty="0"/>
-              <a:t>[something]</a:t>
+              <a:t>Analyze times by runner under various wind conditions</a:t>
             </a:r>
           </a:p>
           <a:p>
